--- a/agilni_plan_tri_sedmice.pptx
+++ b/agilni_plan_tri_sedmice.pptx
@@ -4209,7 +4209,23 @@
           <a:p>
             <a:r>
               <a:rPr lang="sr-Latn-RS" dirty="0" smtClean="0"/>
-              <a:t>Sakupiti i analizirazi rezultate ankete</a:t>
+              <a:t>Sakupiti i </a:t>
+            </a:r>
+            <a:r>
+              <a:rPr lang="sr-Latn-RS" dirty="0" smtClean="0"/>
+              <a:t>analizira</a:t>
+            </a:r>
+            <a:r>
+              <a:rPr lang="en-US" dirty="0" smtClean="0"/>
+              <a:t>t</a:t>
+            </a:r>
+            <a:r>
+              <a:rPr lang="sr-Latn-RS" dirty="0" smtClean="0"/>
+              <a:t>i </a:t>
+            </a:r>
+            <a:r>
+              <a:rPr lang="sr-Latn-RS" dirty="0" smtClean="0"/>
+              <a:t>rezultate ankete</a:t>
             </a:r>
           </a:p>
           <a:p>
